--- a/docs/codeX.pptx
+++ b/docs/codeX.pptx
@@ -19,7 +19,7 @@
   <p:notesSz cx="6858000" cy="9144000"/>
   <p:embeddedFontLst>
     <p:embeddedFont>
-      <p:font typeface="Livvic" pitchFamily="2" charset="77"/>
+      <p:font typeface="Livvic" pitchFamily="2" charset="0"/>
       <p:regular r:id="rId9"/>
       <p:bold r:id="rId10"/>
       <p:italic r:id="rId11"/>
@@ -33,28 +33,28 @@
       <p:boldItalic r:id="rId16"/>
     </p:embeddedFont>
     <p:embeddedFont>
-      <p:font typeface="Poppins" pitchFamily="2" charset="77"/>
+      <p:font typeface="Poppins" panose="00000500000000000000" pitchFamily="2" charset="0"/>
       <p:regular r:id="rId17"/>
       <p:bold r:id="rId18"/>
       <p:italic r:id="rId19"/>
       <p:boldItalic r:id="rId20"/>
     </p:embeddedFont>
     <p:embeddedFont>
-      <p:font typeface="Poppins Medium" panose="020B0604020202020204" pitchFamily="34" charset="0"/>
+      <p:font typeface="Poppins Medium" panose="00000600000000000000" pitchFamily="2" charset="0"/>
       <p:regular r:id="rId21"/>
       <p:bold r:id="rId22"/>
       <p:italic r:id="rId23"/>
       <p:boldItalic r:id="rId24"/>
     </p:embeddedFont>
     <p:embeddedFont>
-      <p:font typeface="Poppins SemiBold" panose="020B0604020202020204" pitchFamily="34" charset="0"/>
+      <p:font typeface="Poppins SemiBold" panose="00000700000000000000" pitchFamily="2" charset="0"/>
       <p:regular r:id="rId25"/>
       <p:bold r:id="rId26"/>
       <p:italic r:id="rId27"/>
       <p:boldItalic r:id="rId28"/>
     </p:embeddedFont>
     <p:embeddedFont>
-      <p:font typeface="Roboto Condensed Light" panose="020F0302020204030204" pitchFamily="34" charset="0"/>
+      <p:font typeface="Roboto Condensed Light" panose="02000000000000000000" pitchFamily="2" charset="0"/>
       <p:regular r:id="rId29"/>
       <p:italic r:id="rId30"/>
     </p:embeddedFont>
@@ -305,6 +305,81 @@
     </p:ext>
   </p:extLst>
 </p:presentation>
+</file>
+
+<file path=ppt/changesInfos/changesInfo1.xml><?xml version="1.0" encoding="utf-8"?>
+<pc:chgInfo xmlns:a="http://schemas.openxmlformats.org/drawingml/2006/main" xmlns:r="http://schemas.openxmlformats.org/officeDocument/2006/relationships" xmlns:ac="http://schemas.microsoft.com/office/drawing/2013/main/command" xmlns:pc="http://schemas.microsoft.com/office/powerpoint/2013/main/command">
+  <pc:docChgLst>
+    <pc:chgData name="Божидар Димов" userId="6c33bdc79629dce9" providerId="LiveId" clId="{AAA906A6-B150-4849-8255-890E75AEDE1E}"/>
+    <pc:docChg chg="modSld">
+      <pc:chgData name="Божидар Димов" userId="6c33bdc79629dce9" providerId="LiveId" clId="{AAA906A6-B150-4849-8255-890E75AEDE1E}" dt="2024-04-22T21:20:25.835" v="22" actId="14100"/>
+      <pc:docMkLst>
+        <pc:docMk/>
+      </pc:docMkLst>
+      <pc:sldChg chg="modSp mod">
+        <pc:chgData name="Божидар Димов" userId="6c33bdc79629dce9" providerId="LiveId" clId="{AAA906A6-B150-4849-8255-890E75AEDE1E}" dt="2024-04-22T21:18:24.097" v="5" actId="20577"/>
+        <pc:sldMkLst>
+          <pc:docMk/>
+          <pc:sldMk cId="0" sldId="257"/>
+        </pc:sldMkLst>
+        <pc:spChg chg="mod">
+          <ac:chgData name="Божидар Димов" userId="6c33bdc79629dce9" providerId="LiveId" clId="{AAA906A6-B150-4849-8255-890E75AEDE1E}" dt="2024-04-22T21:18:24.097" v="5" actId="20577"/>
+          <ac:spMkLst>
+            <pc:docMk/>
+            <pc:sldMk cId="0" sldId="257"/>
+            <ac:spMk id="202" creationId="{00000000-0000-0000-0000-000000000000}"/>
+          </ac:spMkLst>
+        </pc:spChg>
+      </pc:sldChg>
+      <pc:sldChg chg="modSp mod">
+        <pc:chgData name="Божидар Димов" userId="6c33bdc79629dce9" providerId="LiveId" clId="{AAA906A6-B150-4849-8255-890E75AEDE1E}" dt="2024-04-22T21:18:51.387" v="12" actId="20577"/>
+        <pc:sldMkLst>
+          <pc:docMk/>
+          <pc:sldMk cId="0" sldId="277"/>
+        </pc:sldMkLst>
+        <pc:spChg chg="mod">
+          <ac:chgData name="Божидар Димов" userId="6c33bdc79629dce9" providerId="LiveId" clId="{AAA906A6-B150-4849-8255-890E75AEDE1E}" dt="2024-04-22T21:18:51.387" v="12" actId="20577"/>
+          <ac:spMkLst>
+            <pc:docMk/>
+            <pc:sldMk cId="0" sldId="277"/>
+            <ac:spMk id="48" creationId="{EADBCB9D-1B3B-EF78-33C2-833E9DF669DF}"/>
+          </ac:spMkLst>
+        </pc:spChg>
+        <pc:spChg chg="mod">
+          <ac:chgData name="Божидар Димов" userId="6c33bdc79629dce9" providerId="LiveId" clId="{AAA906A6-B150-4849-8255-890E75AEDE1E}" dt="2024-04-22T21:18:38.204" v="8" actId="20577"/>
+          <ac:spMkLst>
+            <pc:docMk/>
+            <pc:sldMk cId="0" sldId="277"/>
+            <ac:spMk id="50" creationId="{809B3E17-890A-9494-0823-03D3D7B50410}"/>
+          </ac:spMkLst>
+        </pc:spChg>
+      </pc:sldChg>
+      <pc:sldChg chg="addSp modSp mod">
+        <pc:chgData name="Божидар Димов" userId="6c33bdc79629dce9" providerId="LiveId" clId="{AAA906A6-B150-4849-8255-890E75AEDE1E}" dt="2024-04-22T21:20:25.835" v="22" actId="14100"/>
+        <pc:sldMkLst>
+          <pc:docMk/>
+          <pc:sldMk cId="1423212558" sldId="297"/>
+        </pc:sldMkLst>
+        <pc:spChg chg="add mod ord">
+          <ac:chgData name="Божидар Димов" userId="6c33bdc79629dce9" providerId="LiveId" clId="{AAA906A6-B150-4849-8255-890E75AEDE1E}" dt="2024-04-22T21:20:25.835" v="22" actId="14100"/>
+          <ac:spMkLst>
+            <pc:docMk/>
+            <pc:sldMk cId="1423212558" sldId="297"/>
+            <ac:spMk id="2" creationId="{10965823-F248-4FD2-425F-106C37321E22}"/>
+          </ac:spMkLst>
+        </pc:spChg>
+        <pc:picChg chg="mod">
+          <ac:chgData name="Божидар Димов" userId="6c33bdc79629dce9" providerId="LiveId" clId="{AAA906A6-B150-4849-8255-890E75AEDE1E}" dt="2024-04-22T21:19:46.804" v="13" actId="1076"/>
+          <ac:picMkLst>
+            <pc:docMk/>
+            <pc:sldMk cId="1423212558" sldId="297"/>
+            <ac:picMk id="12" creationId="{0BC3A85B-2982-AA76-DD72-69E998B1C7C0}"/>
+          </ac:picMkLst>
+        </pc:picChg>
+      </pc:sldChg>
+    </pc:docChg>
+  </pc:docChgLst>
+</pc:chgInfo>
 </file>
 
 <file path=ppt/notesMasters/notesMaster1.xml><?xml version="1.0" encoding="utf-8"?>
@@ -11805,7 +11880,7 @@
             <a:pPr algn="ctr"/>
             <a:r>
               <a:rPr lang="en-GB" sz="1600" dirty="0"/>
-              <a:t>We created our logo and discussed ideas about the app.</a:t>
+              <a:t>We created our logo and discussed the ideas about the app.</a:t>
             </a:r>
           </a:p>
           <a:p>
@@ -12393,7 +12468,7 @@
             <a:pPr algn="ctr"/>
             <a:r>
               <a:rPr lang="en-GB" sz="1600" dirty="0"/>
-              <a:t>We started implementing our app idea through code</a:t>
+              <a:t>We started implementing our app idea through code.</a:t>
             </a:r>
           </a:p>
           <a:p>
@@ -14705,7 +14780,7 @@
             </a:pPr>
             <a:r>
               <a:rPr lang="en" dirty="0"/>
-              <a:t>The technology we used</a:t>
+              <a:t>The technologies we used</a:t>
             </a:r>
             <a:endParaRPr dirty="0"/>
           </a:p>
@@ -17487,6 +17562,57 @@
           <a:chExt cx="0" cy="0"/>
         </a:xfrm>
       </p:grpSpPr>
+      <p:sp>
+        <p:nvSpPr>
+          <p:cNvPr id="2" name="Rectangle 1">
+            <a:extLst>
+              <a:ext uri="{FF2B5EF4-FFF2-40B4-BE49-F238E27FC236}">
+                <a16:creationId xmlns:a16="http://schemas.microsoft.com/office/drawing/2014/main" id="{10965823-F248-4FD2-425F-106C37321E22}"/>
+              </a:ext>
+            </a:extLst>
+          </p:cNvPr>
+          <p:cNvSpPr/>
+          <p:nvPr/>
+        </p:nvSpPr>
+        <p:spPr>
+          <a:xfrm>
+            <a:off x="2190750" y="1305017"/>
+            <a:ext cx="4670425" cy="1061719"/>
+          </a:xfrm>
+          <a:prstGeom prst="rect">
+            <a:avLst/>
+          </a:prstGeom>
+          <a:solidFill>
+            <a:schemeClr val="bg1">
+              <a:lumMod val="10000"/>
+            </a:schemeClr>
+          </a:solidFill>
+        </p:spPr>
+        <p:style>
+          <a:lnRef idx="2">
+            <a:schemeClr val="accent1">
+              <a:shade val="15000"/>
+            </a:schemeClr>
+          </a:lnRef>
+          <a:fillRef idx="1">
+            <a:schemeClr val="accent1"/>
+          </a:fillRef>
+          <a:effectRef idx="0">
+            <a:schemeClr val="accent1"/>
+          </a:effectRef>
+          <a:fontRef idx="minor">
+            <a:schemeClr val="lt1"/>
+          </a:fontRef>
+        </p:style>
+        <p:txBody>
+          <a:bodyPr rtlCol="0" anchor="ctr"/>
+          <a:lstStyle/>
+          <a:p>
+            <a:pPr algn="ctr"/>
+            <a:endParaRPr lang="en-US"/>
+          </a:p>
+        </p:txBody>
+      </p:sp>
       <p:grpSp>
         <p:nvGrpSpPr>
           <p:cNvPr id="3" name="Google Shape;562;p45">
@@ -18319,7 +18445,7 @@
         </p:blipFill>
         <p:spPr>
           <a:xfrm>
-            <a:off x="2349500" y="1103881"/>
+            <a:off x="2282825" y="1047750"/>
             <a:ext cx="4445000" cy="1524000"/>
           </a:xfrm>
           <a:prstGeom prst="rect">
